--- a/BCA/BCA (1).pptx
+++ b/BCA/BCA (1).pptx
@@ -197,7 +197,7 @@
           <a:p>
             <a:fld id="{3A40E0A1-E18E-49E5-BFDC-AAED630B8D1B}" type="datetimeFigureOut">
               <a:rPr lang="en-IN" smtClean="0"/>
-              <a:t>23-07-2024</a:t>
+              <a:t>06-11-2024</a:t>
             </a:fld>
             <a:endParaRPr lang="en-IN"/>
           </a:p>
@@ -698,7 +698,7 @@
           <a:p>
             <a:fld id="{2C1C9846-F29B-4765-9B91-CAF94E401F5C}" type="datetimeFigureOut">
               <a:rPr lang="en-IN" smtClean="0"/>
-              <a:t>23-07-2024</a:t>
+              <a:t>06-11-2024</a:t>
             </a:fld>
             <a:endParaRPr lang="en-IN"/>
           </a:p>
@@ -898,7 +898,7 @@
           <a:p>
             <a:fld id="{2C1C9846-F29B-4765-9B91-CAF94E401F5C}" type="datetimeFigureOut">
               <a:rPr lang="en-IN" smtClean="0"/>
-              <a:t>23-07-2024</a:t>
+              <a:t>06-11-2024</a:t>
             </a:fld>
             <a:endParaRPr lang="en-IN"/>
           </a:p>
@@ -1108,7 +1108,7 @@
           <a:p>
             <a:fld id="{2C1C9846-F29B-4765-9B91-CAF94E401F5C}" type="datetimeFigureOut">
               <a:rPr lang="en-IN" smtClean="0"/>
-              <a:t>23-07-2024</a:t>
+              <a:t>06-11-2024</a:t>
             </a:fld>
             <a:endParaRPr lang="en-IN"/>
           </a:p>
@@ -1308,7 +1308,7 @@
           <a:p>
             <a:fld id="{2C1C9846-F29B-4765-9B91-CAF94E401F5C}" type="datetimeFigureOut">
               <a:rPr lang="en-IN" smtClean="0"/>
-              <a:t>23-07-2024</a:t>
+              <a:t>06-11-2024</a:t>
             </a:fld>
             <a:endParaRPr lang="en-IN"/>
           </a:p>
@@ -1584,7 +1584,7 @@
           <a:p>
             <a:fld id="{2C1C9846-F29B-4765-9B91-CAF94E401F5C}" type="datetimeFigureOut">
               <a:rPr lang="en-IN" smtClean="0"/>
-              <a:t>23-07-2024</a:t>
+              <a:t>06-11-2024</a:t>
             </a:fld>
             <a:endParaRPr lang="en-IN"/>
           </a:p>
@@ -1852,7 +1852,7 @@
           <a:p>
             <a:fld id="{2C1C9846-F29B-4765-9B91-CAF94E401F5C}" type="datetimeFigureOut">
               <a:rPr lang="en-IN" smtClean="0"/>
-              <a:t>23-07-2024</a:t>
+              <a:t>06-11-2024</a:t>
             </a:fld>
             <a:endParaRPr lang="en-IN"/>
           </a:p>
@@ -2267,7 +2267,7 @@
           <a:p>
             <a:fld id="{2C1C9846-F29B-4765-9B91-CAF94E401F5C}" type="datetimeFigureOut">
               <a:rPr lang="en-IN" smtClean="0"/>
-              <a:t>23-07-2024</a:t>
+              <a:t>06-11-2024</a:t>
             </a:fld>
             <a:endParaRPr lang="en-IN"/>
           </a:p>
@@ -2409,7 +2409,7 @@
           <a:p>
             <a:fld id="{2C1C9846-F29B-4765-9B91-CAF94E401F5C}" type="datetimeFigureOut">
               <a:rPr lang="en-IN" smtClean="0"/>
-              <a:t>23-07-2024</a:t>
+              <a:t>06-11-2024</a:t>
             </a:fld>
             <a:endParaRPr lang="en-IN"/>
           </a:p>
@@ -2522,7 +2522,7 @@
           <a:p>
             <a:fld id="{2C1C9846-F29B-4765-9B91-CAF94E401F5C}" type="datetimeFigureOut">
               <a:rPr lang="en-IN" smtClean="0"/>
-              <a:t>23-07-2024</a:t>
+              <a:t>06-11-2024</a:t>
             </a:fld>
             <a:endParaRPr lang="en-IN"/>
           </a:p>
@@ -2835,7 +2835,7 @@
           <a:p>
             <a:fld id="{2C1C9846-F29B-4765-9B91-CAF94E401F5C}" type="datetimeFigureOut">
               <a:rPr lang="en-IN" smtClean="0"/>
-              <a:t>23-07-2024</a:t>
+              <a:t>06-11-2024</a:t>
             </a:fld>
             <a:endParaRPr lang="en-IN"/>
           </a:p>
@@ -3124,7 +3124,7 @@
           <a:p>
             <a:fld id="{2C1C9846-F29B-4765-9B91-CAF94E401F5C}" type="datetimeFigureOut">
               <a:rPr lang="en-IN" smtClean="0"/>
-              <a:t>23-07-2024</a:t>
+              <a:t>06-11-2024</a:t>
             </a:fld>
             <a:endParaRPr lang="en-IN"/>
           </a:p>
@@ -3367,7 +3367,7 @@
           <a:p>
             <a:fld id="{2C1C9846-F29B-4765-9B91-CAF94E401F5C}" type="datetimeFigureOut">
               <a:rPr lang="en-IN" smtClean="0"/>
-              <a:t>23-07-2024</a:t>
+              <a:t>06-11-2024</a:t>
             </a:fld>
             <a:endParaRPr lang="en-IN"/>
           </a:p>
